--- a/26神的呼召.pptx
+++ b/26神的呼召.pptx
@@ -109,6 +109,22 @@
       </a:defRPr>
     </a:lvl9pPr>
   </p:defaultTextStyle>
+  <p:extLst>
+    <p:ext uri="{EFAFB233-063F-42B5-8137-9DF3F51BA10A}">
+      <p15:sldGuideLst xmlns:p15="http://schemas.microsoft.com/office/powerpoint/2012/main">
+        <p15:guide id="1" orient="horz" pos="1620">
+          <p15:clr>
+            <a:srgbClr val="A4A3A4"/>
+          </p15:clr>
+        </p15:guide>
+        <p15:guide id="2" pos="2880">
+          <p15:clr>
+            <a:srgbClr val="A4A3A4"/>
+          </p15:clr>
+        </p15:guide>
+      </p15:sldGuideLst>
+    </p:ext>
+  </p:extLst>
 </p:presentation>
 </file>
 
@@ -294,7 +310,7 @@
             <a:fld id="{86B5546F-C09B-4E63-ABC5-F7C86A7E8D66}" type="datetimeFigureOut">
               <a:rPr lang="en-US" smtClean="0"/>
               <a:pPr/>
-              <a:t>10/5/2019</a:t>
+              <a:t>2/20/2021</a:t>
             </a:fld>
             <a:endParaRPr lang="en-US"/>
           </a:p>
@@ -461,7 +477,7 @@
             <a:fld id="{86B5546F-C09B-4E63-ABC5-F7C86A7E8D66}" type="datetimeFigureOut">
               <a:rPr lang="en-US" smtClean="0"/>
               <a:pPr/>
-              <a:t>10/5/2019</a:t>
+              <a:t>2/20/2021</a:t>
             </a:fld>
             <a:endParaRPr lang="en-US"/>
           </a:p>
@@ -638,7 +654,7 @@
             <a:fld id="{86B5546F-C09B-4E63-ABC5-F7C86A7E8D66}" type="datetimeFigureOut">
               <a:rPr lang="en-US" smtClean="0"/>
               <a:pPr/>
-              <a:t>10/5/2019</a:t>
+              <a:t>2/20/2021</a:t>
             </a:fld>
             <a:endParaRPr lang="en-US"/>
           </a:p>
@@ -805,7 +821,7 @@
             <a:fld id="{86B5546F-C09B-4E63-ABC5-F7C86A7E8D66}" type="datetimeFigureOut">
               <a:rPr lang="en-US" smtClean="0"/>
               <a:pPr/>
-              <a:t>10/5/2019</a:t>
+              <a:t>2/20/2021</a:t>
             </a:fld>
             <a:endParaRPr lang="en-US"/>
           </a:p>
@@ -1048,7 +1064,7 @@
             <a:fld id="{86B5546F-C09B-4E63-ABC5-F7C86A7E8D66}" type="datetimeFigureOut">
               <a:rPr lang="en-US" smtClean="0"/>
               <a:pPr/>
-              <a:t>10/5/2019</a:t>
+              <a:t>2/20/2021</a:t>
             </a:fld>
             <a:endParaRPr lang="en-US"/>
           </a:p>
@@ -1333,7 +1349,7 @@
             <a:fld id="{86B5546F-C09B-4E63-ABC5-F7C86A7E8D66}" type="datetimeFigureOut">
               <a:rPr lang="en-US" smtClean="0"/>
               <a:pPr/>
-              <a:t>10/5/2019</a:t>
+              <a:t>2/20/2021</a:t>
             </a:fld>
             <a:endParaRPr lang="en-US"/>
           </a:p>
@@ -1752,7 +1768,7 @@
             <a:fld id="{86B5546F-C09B-4E63-ABC5-F7C86A7E8D66}" type="datetimeFigureOut">
               <a:rPr lang="en-US" smtClean="0"/>
               <a:pPr/>
-              <a:t>10/5/2019</a:t>
+              <a:t>2/20/2021</a:t>
             </a:fld>
             <a:endParaRPr lang="en-US"/>
           </a:p>
@@ -1867,7 +1883,7 @@
             <a:fld id="{86B5546F-C09B-4E63-ABC5-F7C86A7E8D66}" type="datetimeFigureOut">
               <a:rPr lang="en-US" smtClean="0"/>
               <a:pPr/>
-              <a:t>10/5/2019</a:t>
+              <a:t>2/20/2021</a:t>
             </a:fld>
             <a:endParaRPr lang="en-US"/>
           </a:p>
@@ -1959,7 +1975,7 @@
             <a:fld id="{86B5546F-C09B-4E63-ABC5-F7C86A7E8D66}" type="datetimeFigureOut">
               <a:rPr lang="en-US" smtClean="0"/>
               <a:pPr/>
-              <a:t>10/5/2019</a:t>
+              <a:t>2/20/2021</a:t>
             </a:fld>
             <a:endParaRPr lang="en-US"/>
           </a:p>
@@ -2233,7 +2249,7 @@
             <a:fld id="{86B5546F-C09B-4E63-ABC5-F7C86A7E8D66}" type="datetimeFigureOut">
               <a:rPr lang="en-US" smtClean="0"/>
               <a:pPr/>
-              <a:t>10/5/2019</a:t>
+              <a:t>2/20/2021</a:t>
             </a:fld>
             <a:endParaRPr lang="en-US"/>
           </a:p>
@@ -2487,7 +2503,7 @@
             <a:fld id="{86B5546F-C09B-4E63-ABC5-F7C86A7E8D66}" type="datetimeFigureOut">
               <a:rPr lang="en-US" smtClean="0"/>
               <a:pPr/>
-              <a:t>10/5/2019</a:t>
+              <a:t>2/20/2021</a:t>
             </a:fld>
             <a:endParaRPr lang="en-US"/>
           </a:p>
@@ -2702,7 +2718,7 @@
             <a:fld id="{86B5546F-C09B-4E63-ABC5-F7C86A7E8D66}" type="datetimeFigureOut">
               <a:rPr lang="en-US" smtClean="0"/>
               <a:pPr/>
-              <a:t>10/5/2019</a:t>
+              <a:t>2/20/2021</a:t>
             </a:fld>
             <a:endParaRPr lang="en-US"/>
           </a:p>
@@ -3086,12 +3102,15 @@
         <p:spPr/>
         <p:txBody>
           <a:bodyPr>
-            <a:normAutofit fontScale="90000"/>
+            <a:noAutofit/>
           </a:bodyPr>
           <a:lstStyle/>
           <a:p>
             <a:r>
-              <a:rPr lang="zh-CN" altLang="en-US" sz="8000" b="1" dirty="0" smtClean="0">
+              <a:rPr lang="zh-CN" altLang="en-US" sz="7200" b="1" dirty="0">
+                <a:solidFill>
+                  <a:srgbClr val="660033"/>
+                </a:solidFill>
                 <a:effectLst>
                   <a:outerShdw blurRad="38100" dist="38100" dir="2700000" algn="tl">
                     <a:srgbClr val="000000">
@@ -3099,26 +3118,15 @@
                     </a:srgbClr>
                   </a:outerShdw>
                 </a:effectLst>
-                <a:latin typeface="Microsoft JhengHei" pitchFamily="34" charset="-120"/>
-                <a:ea typeface="Microsoft JhengHei" pitchFamily="34" charset="-120"/>
-              </a:rPr>
-              <a:t>神</a:t>
-            </a:r>
-            <a:r>
-              <a:rPr lang="zh-CN" altLang="en-US" sz="8000" b="1" dirty="0" smtClean="0">
-                <a:effectLst>
-                  <a:outerShdw blurRad="38100" dist="38100" dir="2700000" algn="tl">
-                    <a:srgbClr val="000000">
-                      <a:alpha val="43137"/>
-                    </a:srgbClr>
-                  </a:outerShdw>
-                </a:effectLst>
-                <a:latin typeface="Microsoft JhengHei" pitchFamily="34" charset="-120"/>
-                <a:ea typeface="Microsoft JhengHei" pitchFamily="34" charset="-120"/>
-              </a:rPr>
-              <a:t>的呼召</a:t>
-            </a:r>
-            <a:endParaRPr lang="en-US" sz="8000" b="1" dirty="0">
+                <a:latin typeface="微軟正黑體" pitchFamily="34" charset="-120"/>
+                <a:ea typeface="微軟正黑體" pitchFamily="34" charset="-120"/>
+              </a:rPr>
+              <a:t>神的呼召</a:t>
+            </a:r>
+            <a:endParaRPr lang="en-US" sz="7200" b="1" dirty="0">
+              <a:solidFill>
+                <a:srgbClr val="660033"/>
+              </a:solidFill>
               <a:effectLst>
                 <a:outerShdw blurRad="38100" dist="38100" dir="2700000" algn="tl">
                   <a:srgbClr val="000000">
@@ -3126,8 +3134,8 @@
                   </a:srgbClr>
                 </a:outerShdw>
               </a:effectLst>
-              <a:latin typeface="Microsoft JhengHei" pitchFamily="34" charset="-120"/>
-              <a:ea typeface="Microsoft JhengHei" pitchFamily="34" charset="-120"/>
+              <a:latin typeface="微軟正黑體" pitchFamily="34" charset="-120"/>
+              <a:ea typeface="微軟正黑體" pitchFamily="34" charset="-120"/>
             </a:endParaRPr>
           </a:p>
         </p:txBody>
@@ -3155,250 +3163,250 @@
           <a:lstStyle/>
           <a:p>
             <a:r>
-              <a:rPr lang="zh-CN" altLang="en-US" b="1" dirty="0" smtClean="0">
-                <a:solidFill>
-                  <a:srgbClr val="002060"/>
-                </a:solidFill>
-                <a:latin typeface="Microsoft JhengHei" pitchFamily="34" charset="-120"/>
-                <a:ea typeface="Microsoft JhengHei" pitchFamily="34" charset="-120"/>
+              <a:rPr lang="zh-CN" altLang="en-US" b="1" dirty="0">
+                <a:solidFill>
+                  <a:srgbClr val="000066"/>
+                </a:solidFill>
+                <a:latin typeface="微軟正黑體" pitchFamily="34" charset="-120"/>
+                <a:ea typeface="微軟正黑體" pitchFamily="34" charset="-120"/>
               </a:rPr>
               <a:t>賽 </a:t>
             </a:r>
             <a:r>
-              <a:rPr lang="en-US" altLang="zh-CN" b="1" dirty="0" smtClean="0">
-                <a:solidFill>
-                  <a:srgbClr val="002060"/>
-                </a:solidFill>
-                <a:latin typeface="Microsoft JhengHei" pitchFamily="34" charset="-120"/>
-                <a:ea typeface="Microsoft JhengHei" pitchFamily="34" charset="-120"/>
+              <a:rPr lang="en-US" altLang="zh-CN" b="1" dirty="0">
+                <a:solidFill>
+                  <a:srgbClr val="000066"/>
+                </a:solidFill>
+                <a:latin typeface="微軟正黑體" pitchFamily="34" charset="-120"/>
+                <a:ea typeface="微軟正黑體" pitchFamily="34" charset="-120"/>
               </a:rPr>
               <a:t>55</a:t>
             </a:r>
             <a:r>
-              <a:rPr lang="zh-CN" altLang="en-US" b="1" dirty="0" smtClean="0">
-                <a:solidFill>
-                  <a:srgbClr val="002060"/>
-                </a:solidFill>
-                <a:latin typeface="Microsoft JhengHei" pitchFamily="34" charset="-120"/>
-                <a:ea typeface="Microsoft JhengHei" pitchFamily="34" charset="-120"/>
+              <a:rPr lang="zh-CN" altLang="en-US" b="1" dirty="0">
+                <a:solidFill>
+                  <a:srgbClr val="000066"/>
+                </a:solidFill>
+                <a:latin typeface="微軟正黑體" pitchFamily="34" charset="-120"/>
+                <a:ea typeface="微軟正黑體" pitchFamily="34" charset="-120"/>
               </a:rPr>
               <a:t>：</a:t>
             </a:r>
             <a:r>
-              <a:rPr lang="en-US" altLang="zh-CN" b="1" dirty="0" smtClean="0">
-                <a:solidFill>
-                  <a:srgbClr val="002060"/>
-                </a:solidFill>
-                <a:latin typeface="Microsoft JhengHei" pitchFamily="34" charset="-120"/>
-                <a:ea typeface="Microsoft JhengHei" pitchFamily="34" charset="-120"/>
+              <a:rPr lang="en-US" altLang="zh-CN" b="1" dirty="0">
+                <a:solidFill>
+                  <a:srgbClr val="000066"/>
+                </a:solidFill>
+                <a:latin typeface="微軟正黑體" pitchFamily="34" charset="-120"/>
+                <a:ea typeface="微軟正黑體" pitchFamily="34" charset="-120"/>
               </a:rPr>
               <a:t>6-7</a:t>
             </a:r>
             <a:r>
-              <a:rPr lang="zh-CN" altLang="en-US" b="1" dirty="0" smtClean="0">
-                <a:solidFill>
-                  <a:srgbClr val="002060"/>
-                </a:solidFill>
-                <a:latin typeface="Microsoft JhengHei" pitchFamily="34" charset="-120"/>
-                <a:ea typeface="Microsoft JhengHei" pitchFamily="34" charset="-120"/>
+              <a:rPr lang="zh-CN" altLang="en-US" b="1" dirty="0">
+                <a:solidFill>
+                  <a:srgbClr val="000066"/>
+                </a:solidFill>
+                <a:latin typeface="微軟正黑體" pitchFamily="34" charset="-120"/>
+                <a:ea typeface="微軟正黑體" pitchFamily="34" charset="-120"/>
               </a:rPr>
               <a:t>；</a:t>
             </a:r>
             <a:r>
-              <a:rPr lang="en-US" altLang="zh-CN" b="1" dirty="0" smtClean="0">
-                <a:solidFill>
-                  <a:srgbClr val="002060"/>
-                </a:solidFill>
-                <a:latin typeface="Microsoft JhengHei" pitchFamily="34" charset="-120"/>
-                <a:ea typeface="Microsoft JhengHei" pitchFamily="34" charset="-120"/>
+              <a:rPr lang="en-US" altLang="zh-CN" b="1" dirty="0">
+                <a:solidFill>
+                  <a:srgbClr val="000066"/>
+                </a:solidFill>
+                <a:latin typeface="微軟正黑體" pitchFamily="34" charset="-120"/>
+                <a:ea typeface="微軟正黑體" pitchFamily="34" charset="-120"/>
               </a:rPr>
               <a:t>1:16</a:t>
             </a:r>
             <a:r>
-              <a:rPr lang="zh-CN" altLang="en-US" b="1" dirty="0" smtClean="0">
-                <a:solidFill>
-                  <a:srgbClr val="002060"/>
-                </a:solidFill>
-                <a:latin typeface="Microsoft JhengHei" pitchFamily="34" charset="-120"/>
-                <a:ea typeface="Microsoft JhengHei" pitchFamily="34" charset="-120"/>
+              <a:rPr lang="zh-CN" altLang="en-US" b="1" dirty="0">
+                <a:solidFill>
+                  <a:srgbClr val="000066"/>
+                </a:solidFill>
+                <a:latin typeface="微軟正黑體" pitchFamily="34" charset="-120"/>
+                <a:ea typeface="微軟正黑體" pitchFamily="34" charset="-120"/>
               </a:rPr>
               <a:t>；約 </a:t>
             </a:r>
             <a:r>
-              <a:rPr lang="en-US" altLang="zh-CN" b="1" dirty="0" smtClean="0">
-                <a:solidFill>
-                  <a:srgbClr val="002060"/>
-                </a:solidFill>
-                <a:latin typeface="Microsoft JhengHei" pitchFamily="34" charset="-120"/>
-                <a:ea typeface="Microsoft JhengHei" pitchFamily="34" charset="-120"/>
+              <a:rPr lang="en-US" altLang="zh-CN" b="1" dirty="0">
+                <a:solidFill>
+                  <a:srgbClr val="000066"/>
+                </a:solidFill>
+                <a:latin typeface="微軟正黑體" pitchFamily="34" charset="-120"/>
+                <a:ea typeface="微軟正黑體" pitchFamily="34" charset="-120"/>
               </a:rPr>
               <a:t>7</a:t>
             </a:r>
             <a:r>
-              <a:rPr lang="zh-CN" altLang="en-US" b="1" dirty="0" smtClean="0">
-                <a:solidFill>
-                  <a:srgbClr val="002060"/>
-                </a:solidFill>
-                <a:latin typeface="Microsoft JhengHei" pitchFamily="34" charset="-120"/>
-                <a:ea typeface="Microsoft JhengHei" pitchFamily="34" charset="-120"/>
+              <a:rPr lang="zh-CN" altLang="en-US" b="1" dirty="0">
+                <a:solidFill>
+                  <a:srgbClr val="000066"/>
+                </a:solidFill>
+                <a:latin typeface="微軟正黑體" pitchFamily="34" charset="-120"/>
+                <a:ea typeface="微軟正黑體" pitchFamily="34" charset="-120"/>
               </a:rPr>
               <a:t>：</a:t>
             </a:r>
             <a:r>
-              <a:rPr lang="en-US" altLang="zh-CN" b="1" dirty="0" smtClean="0">
-                <a:solidFill>
-                  <a:srgbClr val="002060"/>
-                </a:solidFill>
-                <a:latin typeface="Microsoft JhengHei" pitchFamily="34" charset="-120"/>
-                <a:ea typeface="Microsoft JhengHei" pitchFamily="34" charset="-120"/>
+              <a:rPr lang="en-US" altLang="zh-CN" b="1" dirty="0">
+                <a:solidFill>
+                  <a:srgbClr val="000066"/>
+                </a:solidFill>
+                <a:latin typeface="微軟正黑體" pitchFamily="34" charset="-120"/>
+                <a:ea typeface="微軟正黑體" pitchFamily="34" charset="-120"/>
               </a:rPr>
               <a:t>37</a:t>
             </a:r>
             <a:r>
-              <a:rPr lang="zh-CN" altLang="en-US" b="1" dirty="0" smtClean="0">
-                <a:solidFill>
-                  <a:srgbClr val="002060"/>
-                </a:solidFill>
-                <a:latin typeface="Microsoft JhengHei" pitchFamily="34" charset="-120"/>
-                <a:ea typeface="Microsoft JhengHei" pitchFamily="34" charset="-120"/>
+              <a:rPr lang="zh-CN" altLang="en-US" b="1" dirty="0">
+                <a:solidFill>
+                  <a:srgbClr val="000066"/>
+                </a:solidFill>
+                <a:latin typeface="微軟正黑體" pitchFamily="34" charset="-120"/>
+                <a:ea typeface="微軟正黑體" pitchFamily="34" charset="-120"/>
               </a:rPr>
               <a:t>；</a:t>
             </a:r>
-            <a:endParaRPr lang="en-US" altLang="zh-CN" b="1" dirty="0" smtClean="0">
+            <a:endParaRPr lang="en-US" altLang="zh-CN" b="1" dirty="0">
               <a:solidFill>
-                <a:srgbClr val="002060"/>
+                <a:srgbClr val="000066"/>
               </a:solidFill>
-              <a:latin typeface="Microsoft JhengHei" pitchFamily="34" charset="-120"/>
-              <a:ea typeface="Microsoft JhengHei" pitchFamily="34" charset="-120"/>
+              <a:latin typeface="微軟正黑體" pitchFamily="34" charset="-120"/>
+              <a:ea typeface="微軟正黑體" pitchFamily="34" charset="-120"/>
             </a:endParaRPr>
           </a:p>
           <a:p>
             <a:r>
-              <a:rPr lang="zh-CN" altLang="en-US" b="1" dirty="0" smtClean="0">
-                <a:solidFill>
-                  <a:srgbClr val="002060"/>
-                </a:solidFill>
-                <a:latin typeface="Microsoft JhengHei" pitchFamily="34" charset="-120"/>
-                <a:ea typeface="Microsoft JhengHei" pitchFamily="34" charset="-120"/>
+              <a:rPr lang="zh-CN" altLang="en-US" b="1" dirty="0">
+                <a:solidFill>
+                  <a:srgbClr val="000066"/>
+                </a:solidFill>
+                <a:latin typeface="微軟正黑體" pitchFamily="34" charset="-120"/>
+                <a:ea typeface="微軟正黑體" pitchFamily="34" charset="-120"/>
               </a:rPr>
               <a:t>羅 </a:t>
             </a:r>
             <a:r>
-              <a:rPr lang="en-US" altLang="zh-CN" b="1" dirty="0" smtClean="0">
-                <a:solidFill>
-                  <a:srgbClr val="002060"/>
-                </a:solidFill>
-                <a:latin typeface="Microsoft JhengHei" pitchFamily="34" charset="-120"/>
-                <a:ea typeface="Microsoft JhengHei" pitchFamily="34" charset="-120"/>
+              <a:rPr lang="en-US" altLang="zh-CN" b="1" dirty="0">
+                <a:solidFill>
+                  <a:srgbClr val="000066"/>
+                </a:solidFill>
+                <a:latin typeface="微軟正黑體" pitchFamily="34" charset="-120"/>
+                <a:ea typeface="微軟正黑體" pitchFamily="34" charset="-120"/>
               </a:rPr>
               <a:t>11</a:t>
             </a:r>
             <a:r>
-              <a:rPr lang="zh-CN" altLang="en-US" b="1" dirty="0" smtClean="0">
-                <a:solidFill>
-                  <a:srgbClr val="002060"/>
-                </a:solidFill>
-                <a:latin typeface="Microsoft JhengHei" pitchFamily="34" charset="-120"/>
-                <a:ea typeface="Microsoft JhengHei" pitchFamily="34" charset="-120"/>
+              <a:rPr lang="zh-CN" altLang="en-US" b="1" dirty="0">
+                <a:solidFill>
+                  <a:srgbClr val="000066"/>
+                </a:solidFill>
+                <a:latin typeface="微軟正黑體" pitchFamily="34" charset="-120"/>
+                <a:ea typeface="微軟正黑體" pitchFamily="34" charset="-120"/>
               </a:rPr>
               <a:t>：</a:t>
             </a:r>
             <a:r>
-              <a:rPr lang="en-US" altLang="zh-CN" b="1" dirty="0" smtClean="0">
-                <a:solidFill>
-                  <a:srgbClr val="002060"/>
-                </a:solidFill>
-                <a:latin typeface="Microsoft JhengHei" pitchFamily="34" charset="-120"/>
-                <a:ea typeface="Microsoft JhengHei" pitchFamily="34" charset="-120"/>
+              <a:rPr lang="en-US" altLang="zh-CN" b="1" dirty="0">
+                <a:solidFill>
+                  <a:srgbClr val="000066"/>
+                </a:solidFill>
+                <a:latin typeface="微軟正黑體" pitchFamily="34" charset="-120"/>
+                <a:ea typeface="微軟正黑體" pitchFamily="34" charset="-120"/>
               </a:rPr>
               <a:t>29-32</a:t>
             </a:r>
             <a:r>
-              <a:rPr lang="zh-CN" altLang="en-US" b="1" dirty="0" smtClean="0">
-                <a:solidFill>
-                  <a:srgbClr val="002060"/>
-                </a:solidFill>
-                <a:latin typeface="Microsoft JhengHei" pitchFamily="34" charset="-120"/>
-                <a:ea typeface="Microsoft JhengHei" pitchFamily="34" charset="-120"/>
+              <a:rPr lang="zh-CN" altLang="en-US" b="1" dirty="0">
+                <a:solidFill>
+                  <a:srgbClr val="000066"/>
+                </a:solidFill>
+                <a:latin typeface="微軟正黑體" pitchFamily="34" charset="-120"/>
+                <a:ea typeface="微軟正黑體" pitchFamily="34" charset="-120"/>
               </a:rPr>
               <a:t>；提後 </a:t>
             </a:r>
             <a:r>
-              <a:rPr lang="en-US" altLang="zh-CN" b="1" dirty="0" smtClean="0">
-                <a:solidFill>
-                  <a:srgbClr val="002060"/>
-                </a:solidFill>
-                <a:latin typeface="Microsoft JhengHei" pitchFamily="34" charset="-120"/>
-                <a:ea typeface="Microsoft JhengHei" pitchFamily="34" charset="-120"/>
+              <a:rPr lang="en-US" altLang="zh-CN" b="1" dirty="0">
+                <a:solidFill>
+                  <a:srgbClr val="000066"/>
+                </a:solidFill>
+                <a:latin typeface="微軟正黑體" pitchFamily="34" charset="-120"/>
+                <a:ea typeface="微軟正黑體" pitchFamily="34" charset="-120"/>
               </a:rPr>
               <a:t>1</a:t>
             </a:r>
             <a:r>
-              <a:rPr lang="zh-CN" altLang="en-US" b="1" dirty="0" smtClean="0">
-                <a:solidFill>
-                  <a:srgbClr val="002060"/>
-                </a:solidFill>
-                <a:latin typeface="Microsoft JhengHei" pitchFamily="34" charset="-120"/>
-                <a:ea typeface="Microsoft JhengHei" pitchFamily="34" charset="-120"/>
+              <a:rPr lang="zh-CN" altLang="en-US" b="1" dirty="0">
+                <a:solidFill>
+                  <a:srgbClr val="000066"/>
+                </a:solidFill>
+                <a:latin typeface="微軟正黑體" pitchFamily="34" charset="-120"/>
+                <a:ea typeface="微軟正黑體" pitchFamily="34" charset="-120"/>
               </a:rPr>
               <a:t>：</a:t>
             </a:r>
             <a:r>
-              <a:rPr lang="en-US" altLang="zh-CN" b="1" dirty="0" smtClean="0">
-                <a:solidFill>
-                  <a:srgbClr val="002060"/>
-                </a:solidFill>
-                <a:latin typeface="Microsoft JhengHei" pitchFamily="34" charset="-120"/>
-                <a:ea typeface="Microsoft JhengHei" pitchFamily="34" charset="-120"/>
+              <a:rPr lang="en-US" altLang="zh-CN" b="1" dirty="0">
+                <a:solidFill>
+                  <a:srgbClr val="000066"/>
+                </a:solidFill>
+                <a:latin typeface="微軟正黑體" pitchFamily="34" charset="-120"/>
+                <a:ea typeface="微軟正黑體" pitchFamily="34" charset="-120"/>
               </a:rPr>
               <a:t>9</a:t>
             </a:r>
             <a:r>
-              <a:rPr lang="zh-CN" altLang="en-US" b="1" dirty="0" smtClean="0">
-                <a:solidFill>
-                  <a:srgbClr val="002060"/>
-                </a:solidFill>
-                <a:latin typeface="Microsoft JhengHei" pitchFamily="34" charset="-120"/>
-                <a:ea typeface="Microsoft JhengHei" pitchFamily="34" charset="-120"/>
+              <a:rPr lang="zh-CN" altLang="en-US" b="1" dirty="0">
+                <a:solidFill>
+                  <a:srgbClr val="000066"/>
+                </a:solidFill>
+                <a:latin typeface="微軟正黑體" pitchFamily="34" charset="-120"/>
+                <a:ea typeface="微軟正黑體" pitchFamily="34" charset="-120"/>
               </a:rPr>
               <a:t>；彼後 </a:t>
             </a:r>
             <a:r>
-              <a:rPr lang="en-US" altLang="zh-CN" b="1" dirty="0" smtClean="0">
-                <a:solidFill>
-                  <a:srgbClr val="002060"/>
-                </a:solidFill>
-                <a:latin typeface="Microsoft JhengHei" pitchFamily="34" charset="-120"/>
-                <a:ea typeface="Microsoft JhengHei" pitchFamily="34" charset="-120"/>
+              <a:rPr lang="en-US" altLang="zh-CN" b="1" dirty="0">
+                <a:solidFill>
+                  <a:srgbClr val="000066"/>
+                </a:solidFill>
+                <a:latin typeface="微軟正黑體" pitchFamily="34" charset="-120"/>
+                <a:ea typeface="微軟正黑體" pitchFamily="34" charset="-120"/>
               </a:rPr>
               <a:t>1</a:t>
             </a:r>
             <a:r>
-              <a:rPr lang="zh-CN" altLang="en-US" b="1" dirty="0" smtClean="0">
-                <a:solidFill>
-                  <a:srgbClr val="002060"/>
-                </a:solidFill>
-                <a:latin typeface="Microsoft JhengHei" pitchFamily="34" charset="-120"/>
-                <a:ea typeface="Microsoft JhengHei" pitchFamily="34" charset="-120"/>
+              <a:rPr lang="zh-CN" altLang="en-US" b="1" dirty="0">
+                <a:solidFill>
+                  <a:srgbClr val="000066"/>
+                </a:solidFill>
+                <a:latin typeface="微軟正黑體" pitchFamily="34" charset="-120"/>
+                <a:ea typeface="微軟正黑體" pitchFamily="34" charset="-120"/>
               </a:rPr>
               <a:t>：</a:t>
             </a:r>
             <a:r>
-              <a:rPr lang="en-US" altLang="zh-CN" b="1" dirty="0" smtClean="0">
-                <a:solidFill>
-                  <a:srgbClr val="002060"/>
-                </a:solidFill>
-                <a:latin typeface="Microsoft JhengHei" pitchFamily="34" charset="-120"/>
-                <a:ea typeface="Microsoft JhengHei" pitchFamily="34" charset="-120"/>
+              <a:rPr lang="en-US" altLang="zh-CN" b="1" dirty="0">
+                <a:solidFill>
+                  <a:srgbClr val="000066"/>
+                </a:solidFill>
+                <a:latin typeface="微軟正黑體" pitchFamily="34" charset="-120"/>
+                <a:ea typeface="微軟正黑體" pitchFamily="34" charset="-120"/>
               </a:rPr>
               <a:t>10</a:t>
             </a:r>
             <a:endParaRPr lang="en-US" b="1" dirty="0">
               <a:solidFill>
-                <a:srgbClr val="002060"/>
+                <a:srgbClr val="000066"/>
               </a:solidFill>
-              <a:latin typeface="Microsoft JhengHei" pitchFamily="34" charset="-120"/>
-              <a:ea typeface="Microsoft JhengHei" pitchFamily="34" charset="-120"/>
+              <a:latin typeface="微軟正黑體" pitchFamily="34" charset="-120"/>
+              <a:ea typeface="微軟正黑體" pitchFamily="34" charset="-120"/>
             </a:endParaRPr>
           </a:p>
         </p:txBody>
@@ -3448,87 +3456,120 @@
         <p:spPr>
           <a:xfrm>
             <a:off x="0" y="0"/>
-            <a:ext cx="8839200" cy="5257800"/>
+            <a:ext cx="8839200" cy="5143500"/>
           </a:xfrm>
         </p:spPr>
         <p:txBody>
-          <a:bodyPr>
+          <a:bodyPr anchor="ctr">
             <a:noAutofit/>
           </a:bodyPr>
           <a:lstStyle/>
           <a:p>
             <a:r>
               <a:rPr lang="zh-TW" altLang="en-US" sz="4800" dirty="0">
-                <a:latin typeface="Microsoft JhengHei" pitchFamily="34" charset="-120"/>
-                <a:ea typeface="Microsoft JhengHei" pitchFamily="34" charset="-120"/>
+                <a:solidFill>
+                  <a:srgbClr val="660033"/>
+                </a:solidFill>
+                <a:latin typeface="微軟正黑體" pitchFamily="34" charset="-120"/>
+                <a:ea typeface="微軟正黑體" pitchFamily="34" charset="-120"/>
               </a:rPr>
               <a:t>當趁耶和華可尋找的時候尋</a:t>
             </a:r>
             <a:r>
-              <a:rPr lang="zh-TW" altLang="en-US" sz="4800" dirty="0" smtClean="0">
-                <a:latin typeface="Microsoft JhengHei" pitchFamily="34" charset="-120"/>
-                <a:ea typeface="Microsoft JhengHei" pitchFamily="34" charset="-120"/>
+              <a:rPr lang="zh-TW" altLang="en-US" sz="4800" dirty="0">
+                <a:solidFill>
+                  <a:srgbClr val="660033"/>
+                </a:solidFill>
+                <a:latin typeface="微軟正黑體" pitchFamily="34" charset="-120"/>
+                <a:ea typeface="微軟正黑體" pitchFamily="34" charset="-120"/>
               </a:rPr>
               <a:t>找</a:t>
             </a:r>
             <a:r>
-              <a:rPr lang="zh-CN" altLang="en-US" sz="4800" dirty="0" smtClean="0">
-                <a:latin typeface="Microsoft JhengHei" pitchFamily="34" charset="-120"/>
-                <a:ea typeface="Microsoft JhengHei" pitchFamily="34" charset="-120"/>
+              <a:rPr lang="zh-CN" altLang="en-US" sz="4800" dirty="0">
+                <a:solidFill>
+                  <a:srgbClr val="660033"/>
+                </a:solidFill>
+                <a:latin typeface="微軟正黑體" pitchFamily="34" charset="-120"/>
+                <a:ea typeface="微軟正黑體" pitchFamily="34" charset="-120"/>
               </a:rPr>
               <a:t>祂</a:t>
             </a:r>
             <a:r>
-              <a:rPr lang="zh-TW" altLang="en-US" sz="4800" dirty="0" smtClean="0">
-                <a:latin typeface="Microsoft JhengHei" pitchFamily="34" charset="-120"/>
-                <a:ea typeface="Microsoft JhengHei" pitchFamily="34" charset="-120"/>
+              <a:rPr lang="zh-TW" altLang="en-US" sz="4800" dirty="0">
+                <a:solidFill>
+                  <a:srgbClr val="660033"/>
+                </a:solidFill>
+                <a:latin typeface="微軟正黑體" pitchFamily="34" charset="-120"/>
+                <a:ea typeface="微軟正黑體" pitchFamily="34" charset="-120"/>
               </a:rPr>
               <a:t>，</a:t>
             </a:r>
             <a:r>
               <a:rPr lang="zh-TW" altLang="en-US" sz="4800" dirty="0">
-                <a:latin typeface="Microsoft JhengHei" pitchFamily="34" charset="-120"/>
-                <a:ea typeface="Microsoft JhengHei" pitchFamily="34" charset="-120"/>
+                <a:solidFill>
+                  <a:srgbClr val="660033"/>
+                </a:solidFill>
+                <a:latin typeface="微軟正黑體" pitchFamily="34" charset="-120"/>
+                <a:ea typeface="微軟正黑體" pitchFamily="34" charset="-120"/>
               </a:rPr>
               <a:t>相近的時候求</a:t>
             </a:r>
             <a:r>
-              <a:rPr lang="zh-TW" altLang="en-US" sz="4800" dirty="0" smtClean="0">
-                <a:latin typeface="Microsoft JhengHei" pitchFamily="34" charset="-120"/>
-                <a:ea typeface="Microsoft JhengHei" pitchFamily="34" charset="-120"/>
+              <a:rPr lang="zh-TW" altLang="en-US" sz="4800" dirty="0">
+                <a:solidFill>
+                  <a:srgbClr val="660033"/>
+                </a:solidFill>
+                <a:latin typeface="微軟正黑體" pitchFamily="34" charset="-120"/>
+                <a:ea typeface="微軟正黑體" pitchFamily="34" charset="-120"/>
               </a:rPr>
               <a:t>告</a:t>
             </a:r>
             <a:r>
               <a:rPr lang="zh-CN" altLang="en-US" sz="4800" dirty="0">
-                <a:latin typeface="Microsoft JhengHei" pitchFamily="34" charset="-120"/>
-                <a:ea typeface="Microsoft JhengHei" pitchFamily="34" charset="-120"/>
+                <a:solidFill>
+                  <a:srgbClr val="660033"/>
+                </a:solidFill>
+                <a:latin typeface="微軟正黑體" pitchFamily="34" charset="-120"/>
+                <a:ea typeface="微軟正黑體" pitchFamily="34" charset="-120"/>
               </a:rPr>
               <a:t>祂</a:t>
             </a:r>
             <a:r>
-              <a:rPr lang="zh-TW" altLang="en-US" sz="4800" dirty="0" smtClean="0">
-                <a:latin typeface="Microsoft JhengHei" pitchFamily="34" charset="-120"/>
-                <a:ea typeface="Microsoft JhengHei" pitchFamily="34" charset="-120"/>
+              <a:rPr lang="zh-TW" altLang="en-US" sz="4800" dirty="0">
+                <a:solidFill>
+                  <a:srgbClr val="660033"/>
+                </a:solidFill>
+                <a:latin typeface="微軟正黑體" pitchFamily="34" charset="-120"/>
+                <a:ea typeface="微軟正黑體" pitchFamily="34" charset="-120"/>
               </a:rPr>
               <a:t>。</a:t>
             </a:r>
-            <a:endParaRPr lang="en-US" altLang="zh-TW" sz="4800" dirty="0" smtClean="0">
-              <a:latin typeface="Microsoft JhengHei" pitchFamily="34" charset="-120"/>
-              <a:ea typeface="Microsoft JhengHei" pitchFamily="34" charset="-120"/>
+            <a:endParaRPr lang="en-US" altLang="zh-TW" sz="4800" dirty="0">
+              <a:solidFill>
+                <a:srgbClr val="660033"/>
+              </a:solidFill>
+              <a:latin typeface="微軟正黑體" pitchFamily="34" charset="-120"/>
+              <a:ea typeface="微軟正黑體" pitchFamily="34" charset="-120"/>
             </a:endParaRPr>
           </a:p>
           <a:p>
             <a:r>
               <a:rPr lang="zh-TW" altLang="en-US" sz="4800" b="1" dirty="0">
-                <a:latin typeface="Microsoft JhengHei" pitchFamily="34" charset="-120"/>
-                <a:ea typeface="Microsoft JhengHei" pitchFamily="34" charset="-120"/>
+                <a:solidFill>
+                  <a:srgbClr val="660033"/>
+                </a:solidFill>
+                <a:latin typeface="微軟正黑體" pitchFamily="34" charset="-120"/>
+                <a:ea typeface="微軟正黑體" pitchFamily="34" charset="-120"/>
               </a:rPr>
               <a:t>惡人當離棄自己的道路；不義的人當除掉自己的意念。歸向耶和華，耶和華就必憐恤他；</a:t>
             </a:r>
-            <a:endParaRPr lang="zh-TW" altLang="en-US" sz="4800" dirty="0" smtClean="0">
-              <a:latin typeface="Microsoft JhengHei" pitchFamily="34" charset="-120"/>
-              <a:ea typeface="Microsoft JhengHei" pitchFamily="34" charset="-120"/>
+            <a:endParaRPr lang="zh-TW" altLang="en-US" sz="4800" b="1" dirty="0">
+              <a:solidFill>
+                <a:srgbClr val="660033"/>
+              </a:solidFill>
+              <a:latin typeface="微軟正黑體" pitchFamily="34" charset="-120"/>
+              <a:ea typeface="微軟正黑體" pitchFamily="34" charset="-120"/>
             </a:endParaRPr>
           </a:p>
         </p:txBody>
@@ -3583,59 +3624,109 @@
         <p:spPr>
           <a:xfrm>
             <a:off x="0" y="0"/>
-            <a:ext cx="8839200" cy="5257800"/>
+            <a:ext cx="8839200" cy="5143500"/>
           </a:xfrm>
         </p:spPr>
         <p:txBody>
-          <a:bodyPr>
+          <a:bodyPr anchor="ctr">
             <a:noAutofit/>
           </a:bodyPr>
           <a:lstStyle/>
           <a:p>
             <a:r>
               <a:rPr lang="zh-TW" altLang="en-US" sz="4800" dirty="0">
-                <a:latin typeface="Microsoft JhengHei" pitchFamily="34" charset="-120"/>
-                <a:ea typeface="Microsoft JhengHei" pitchFamily="34" charset="-120"/>
-              </a:rPr>
-              <a:t>當</a:t>
+                <a:solidFill>
+                  <a:srgbClr val="660033"/>
+                </a:solidFill>
+                <a:latin typeface="微軟正黑體" pitchFamily="34" charset="-120"/>
+                <a:ea typeface="微軟正黑體" pitchFamily="34" charset="-120"/>
+              </a:rPr>
+              <a:t>當歸向我們的神，因為神必廣行赦</a:t>
             </a:r>
             <a:r>
               <a:rPr lang="zh-TW" altLang="en-US" sz="4800" dirty="0">
-                <a:latin typeface="Microsoft JhengHei" pitchFamily="34" charset="-120"/>
-                <a:ea typeface="Microsoft JhengHei" pitchFamily="34" charset="-120"/>
-              </a:rPr>
-              <a:t>歸向我們的神，因為神必廣行赦</a:t>
-            </a:r>
-            <a:r>
-              <a:rPr lang="zh-TW" altLang="en-US" sz="4800" dirty="0" smtClean="0">
-                <a:latin typeface="Microsoft JhengHei" pitchFamily="34" charset="-120"/>
-                <a:ea typeface="Microsoft JhengHei" pitchFamily="34" charset="-120"/>
+                <a:solidFill>
+                  <a:srgbClr val="660033"/>
+                </a:solidFill>
+                <a:latin typeface="微軟正黑體" pitchFamily="34" charset="-120"/>
+                <a:ea typeface="微軟正黑體" pitchFamily="34" charset="-120"/>
               </a:rPr>
               <a:t>免。</a:t>
             </a:r>
             <a:r>
               <a:rPr lang="zh-TW" altLang="en-US" sz="4800" dirty="0">
-                <a:latin typeface="Microsoft JhengHei" pitchFamily="34" charset="-120"/>
-                <a:ea typeface="Microsoft JhengHei" pitchFamily="34" charset="-120"/>
+                <a:solidFill>
+                  <a:srgbClr val="660033"/>
+                </a:solidFill>
+                <a:latin typeface="微軟正黑體" pitchFamily="34" charset="-120"/>
+                <a:ea typeface="微軟正黑體" pitchFamily="34" charset="-120"/>
               </a:rPr>
               <a:t> </a:t>
             </a:r>
-            <a:endParaRPr lang="en-US" altLang="zh-TW" sz="4800" dirty="0" smtClean="0">
-              <a:latin typeface="Microsoft JhengHei" pitchFamily="34" charset="-120"/>
-              <a:ea typeface="Microsoft JhengHei" pitchFamily="34" charset="-120"/>
+            <a:endParaRPr lang="en-US" altLang="zh-TW" sz="4800" dirty="0">
+              <a:solidFill>
+                <a:srgbClr val="660033"/>
+              </a:solidFill>
+              <a:latin typeface="微軟正黑體" pitchFamily="34" charset="-120"/>
+              <a:ea typeface="微軟正黑體" pitchFamily="34" charset="-120"/>
             </a:endParaRPr>
           </a:p>
           <a:p>
             <a:r>
               <a:rPr lang="zh-TW" altLang="en-US" sz="4800" b="1" dirty="0">
-                <a:latin typeface="Microsoft JhengHei" pitchFamily="34" charset="-120"/>
-                <a:ea typeface="Microsoft JhengHei" pitchFamily="34" charset="-120"/>
-              </a:rPr>
-              <a:t>你們要洗濯、自潔，從我眼前除掉你們的惡行，要止住作惡，</a:t>
-            </a:r>
-            <a:endParaRPr lang="en-US" altLang="zh-TW" sz="4800" b="1" dirty="0">
-              <a:latin typeface="Microsoft JhengHei" pitchFamily="34" charset="-120"/>
-              <a:ea typeface="Microsoft JhengHei" pitchFamily="34" charset="-120"/>
+                <a:solidFill>
+                  <a:srgbClr val="660033"/>
+                </a:solidFill>
+                <a:latin typeface="微軟正黑體" pitchFamily="34" charset="-120"/>
+                <a:ea typeface="微軟正黑體" pitchFamily="34" charset="-120"/>
+              </a:rPr>
+              <a:t>你們要洗濯、自潔，從我眼前除掉你們的惡行，要止住作惡</a:t>
+            </a:r>
+            <a:r>
+              <a:rPr lang="zh-TW" altLang="en-US" sz="4800" b="1" dirty="0" smtClean="0">
+                <a:solidFill>
+                  <a:srgbClr val="660033"/>
+                </a:solidFill>
+                <a:latin typeface="微軟正黑體" pitchFamily="34" charset="-120"/>
+                <a:ea typeface="微軟正黑體" pitchFamily="34" charset="-120"/>
+              </a:rPr>
+              <a:t>，</a:t>
+            </a:r>
+            <a:endParaRPr lang="en-US" altLang="zh-TW" sz="4800" b="1" dirty="0" smtClean="0">
+              <a:solidFill>
+                <a:srgbClr val="660033"/>
+              </a:solidFill>
+              <a:latin typeface="微軟正黑體" pitchFamily="34" charset="-120"/>
+              <a:ea typeface="微軟正黑體" pitchFamily="34" charset="-120"/>
+            </a:endParaRPr>
+          </a:p>
+          <a:p>
+            <a:r>
+              <a:rPr lang="zh-TW" altLang="en-US" sz="4800" dirty="0">
+                <a:solidFill>
+                  <a:srgbClr val="660033"/>
+                </a:solidFill>
+                <a:latin typeface="微軟正黑體" pitchFamily="34" charset="-120"/>
+                <a:ea typeface="微軟正黑體" pitchFamily="34" charset="-120"/>
+              </a:rPr>
+              <a:t>耶穌站著高聲說：「人若渴了，可以到我這裏來喝</a:t>
+            </a:r>
+            <a:r>
+              <a:rPr lang="zh-TW" altLang="en-US" sz="4800" dirty="0">
+                <a:solidFill>
+                  <a:srgbClr val="660033"/>
+                </a:solidFill>
+                <a:latin typeface="微軟正黑體" pitchFamily="34" charset="-120"/>
+                <a:ea typeface="微軟正黑體" pitchFamily="34" charset="-120"/>
+              </a:rPr>
+              <a:t>。</a:t>
+            </a:r>
+            <a:endParaRPr lang="en-US" altLang="zh-TW" sz="4800" dirty="0">
+              <a:solidFill>
+                <a:srgbClr val="660033"/>
+              </a:solidFill>
+              <a:latin typeface="微軟正黑體" pitchFamily="34" charset="-120"/>
+              <a:ea typeface="微軟正黑體" pitchFamily="34" charset="-120"/>
             </a:endParaRPr>
           </a:p>
         </p:txBody>
@@ -3690,52 +3781,41 @@
         <p:spPr>
           <a:xfrm>
             <a:off x="0" y="0"/>
-            <a:ext cx="8839200" cy="5257800"/>
+            <a:ext cx="8839200" cy="5143500"/>
           </a:xfrm>
         </p:spPr>
         <p:txBody>
-          <a:bodyPr>
+          <a:bodyPr anchor="ctr">
             <a:noAutofit/>
           </a:bodyPr>
           <a:lstStyle/>
           <a:p>
             <a:r>
-              <a:rPr lang="zh-TW" altLang="en-US" sz="4800" dirty="0" smtClean="0">
-                <a:latin typeface="Microsoft JhengHei" pitchFamily="34" charset="-120"/>
-                <a:ea typeface="Microsoft JhengHei" pitchFamily="34" charset="-120"/>
-              </a:rPr>
-              <a:t>耶</a:t>
-            </a:r>
-            <a:r>
-              <a:rPr lang="zh-TW" altLang="en-US" sz="4800" dirty="0">
-                <a:latin typeface="Microsoft JhengHei" pitchFamily="34" charset="-120"/>
-                <a:ea typeface="Microsoft JhengHei" pitchFamily="34" charset="-120"/>
-              </a:rPr>
-              <a:t>穌站著高聲說：「人若渴了，可以到我這裏來喝</a:t>
-            </a:r>
-            <a:r>
-              <a:rPr lang="zh-TW" altLang="en-US" sz="4800" dirty="0">
-                <a:latin typeface="Microsoft JhengHei" pitchFamily="34" charset="-120"/>
-                <a:ea typeface="Microsoft JhengHei" pitchFamily="34" charset="-120"/>
-              </a:rPr>
-              <a:t>。</a:t>
-            </a:r>
-            <a:endParaRPr lang="en-US" altLang="zh-TW" sz="4800" dirty="0">
-              <a:latin typeface="Microsoft JhengHei" pitchFamily="34" charset="-120"/>
-              <a:ea typeface="Microsoft JhengHei" pitchFamily="34" charset="-120"/>
-            </a:endParaRPr>
-          </a:p>
-          <a:p>
-            <a:r>
               <a:rPr lang="zh-TW" altLang="en-US" sz="4800" b="1" dirty="0">
-                <a:latin typeface="Microsoft JhengHei" pitchFamily="34" charset="-120"/>
-                <a:ea typeface="Microsoft JhengHei" pitchFamily="34" charset="-120"/>
-              </a:rPr>
-              <a:t>因為神的恩賜和選召是沒有後悔的。 你們從前不順服神，如今因他們的不順服，你們倒蒙了憐恤。</a:t>
+                <a:solidFill>
+                  <a:srgbClr val="660033"/>
+                </a:solidFill>
+                <a:latin typeface="微軟正黑體" pitchFamily="34" charset="-120"/>
+                <a:ea typeface="微軟正黑體" pitchFamily="34" charset="-120"/>
+              </a:rPr>
+              <a:t>因</a:t>
+            </a:r>
+            <a:r>
+              <a:rPr lang="zh-TW" altLang="en-US" sz="4800" b="1" dirty="0">
+                <a:solidFill>
+                  <a:srgbClr val="660033"/>
+                </a:solidFill>
+                <a:latin typeface="微軟正黑體" pitchFamily="34" charset="-120"/>
+                <a:ea typeface="微軟正黑體" pitchFamily="34" charset="-120"/>
+              </a:rPr>
+              <a:t>為神的恩賜和選召是沒有後悔的。 你們從前不順服神，如今因他們的不順服，你們倒蒙了憐恤。</a:t>
             </a:r>
             <a:endParaRPr lang="en-US" altLang="zh-TW" sz="4800" b="1" dirty="0">
-              <a:latin typeface="Microsoft JhengHei" pitchFamily="34" charset="-120"/>
-              <a:ea typeface="Microsoft JhengHei" pitchFamily="34" charset="-120"/>
+              <a:solidFill>
+                <a:srgbClr val="660033"/>
+              </a:solidFill>
+              <a:latin typeface="微軟正黑體" pitchFamily="34" charset="-120"/>
+              <a:ea typeface="微軟正黑體" pitchFamily="34" charset="-120"/>
             </a:endParaRPr>
           </a:p>
         </p:txBody>
@@ -3790,45 +3870,60 @@
         <p:spPr>
           <a:xfrm>
             <a:off x="0" y="0"/>
-            <a:ext cx="8839200" cy="5257800"/>
+            <a:ext cx="8839200" cy="5143500"/>
           </a:xfrm>
         </p:spPr>
         <p:txBody>
-          <a:bodyPr>
+          <a:bodyPr anchor="ctr">
             <a:noAutofit/>
           </a:bodyPr>
           <a:lstStyle/>
           <a:p>
             <a:r>
               <a:rPr lang="zh-TW" altLang="en-US" sz="4800" dirty="0">
-                <a:latin typeface="Microsoft JhengHei" pitchFamily="34" charset="-120"/>
-                <a:ea typeface="Microsoft JhengHei" pitchFamily="34" charset="-120"/>
+                <a:solidFill>
+                  <a:srgbClr val="660033"/>
+                </a:solidFill>
+                <a:latin typeface="微軟正黑體" pitchFamily="34" charset="-120"/>
+                <a:ea typeface="微軟正黑體" pitchFamily="34" charset="-120"/>
               </a:rPr>
               <a:t>這樣，他們也是不順服，叫他們因著施給你們的憐恤，現在也就蒙憐恤</a:t>
             </a:r>
             <a:r>
-              <a:rPr lang="zh-TW" altLang="en-US" sz="4800" dirty="0" smtClean="0">
-                <a:latin typeface="Microsoft JhengHei" pitchFamily="34" charset="-120"/>
-                <a:ea typeface="Microsoft JhengHei" pitchFamily="34" charset="-120"/>
+              <a:rPr lang="zh-TW" altLang="en-US" sz="4800" dirty="0">
+                <a:solidFill>
+                  <a:srgbClr val="660033"/>
+                </a:solidFill>
+                <a:latin typeface="微軟正黑體" pitchFamily="34" charset="-120"/>
+                <a:ea typeface="微軟正黑體" pitchFamily="34" charset="-120"/>
               </a:rPr>
               <a:t>。</a:t>
             </a:r>
-            <a:endParaRPr lang="en-US" altLang="zh-TW" sz="4800" dirty="0" smtClean="0">
-              <a:latin typeface="Microsoft JhengHei" pitchFamily="34" charset="-120"/>
-              <a:ea typeface="Microsoft JhengHei" pitchFamily="34" charset="-120"/>
+            <a:endParaRPr lang="en-US" altLang="zh-TW" sz="4800" dirty="0">
+              <a:solidFill>
+                <a:srgbClr val="660033"/>
+              </a:solidFill>
+              <a:latin typeface="微軟正黑體" pitchFamily="34" charset="-120"/>
+              <a:ea typeface="微軟正黑體" pitchFamily="34" charset="-120"/>
             </a:endParaRPr>
           </a:p>
           <a:p>
             <a:r>
               <a:rPr lang="zh-TW" altLang="en-US" sz="4800" b="1" dirty="0">
-                <a:latin typeface="Microsoft JhengHei" pitchFamily="34" charset="-120"/>
-                <a:ea typeface="Microsoft JhengHei" pitchFamily="34" charset="-120"/>
+                <a:solidFill>
+                  <a:srgbClr val="660033"/>
+                </a:solidFill>
+                <a:latin typeface="微軟正黑體" pitchFamily="34" charset="-120"/>
+                <a:ea typeface="微軟正黑體" pitchFamily="34" charset="-120"/>
               </a:rPr>
               <a:t>因為神將眾人都圈在不順服之中，特意要憐恤眾人。</a:t>
             </a:r>
             <a:endParaRPr lang="en-US" altLang="zh-TW" sz="4800" b="1" dirty="0">
-              <a:latin typeface="Microsoft JhengHei" pitchFamily="34" charset="-120"/>
-              <a:ea typeface="Microsoft JhengHei" pitchFamily="34" charset="-120"/>
+              <a:solidFill>
+                <a:srgbClr val="660033"/>
+              </a:solidFill>
+              <a:latin typeface="微軟正黑體" pitchFamily="34" charset="-120"/>
+              <a:ea typeface="微軟正黑體" pitchFamily="34" charset="-120"/>
             </a:endParaRPr>
           </a:p>
         </p:txBody>
@@ -3883,49 +3978,70 @@
         <p:spPr>
           <a:xfrm>
             <a:off x="0" y="0"/>
-            <a:ext cx="8839200" cy="5257800"/>
+            <a:ext cx="8839200" cy="5143500"/>
           </a:xfrm>
         </p:spPr>
         <p:txBody>
-          <a:bodyPr>
+          <a:bodyPr anchor="ctr">
             <a:noAutofit/>
           </a:bodyPr>
           <a:lstStyle/>
           <a:p>
             <a:r>
               <a:rPr lang="zh-TW" altLang="en-US" sz="4800" dirty="0">
-                <a:latin typeface="Microsoft JhengHei" pitchFamily="34" charset="-120"/>
-                <a:ea typeface="Microsoft JhengHei" pitchFamily="34" charset="-120"/>
+                <a:solidFill>
+                  <a:srgbClr val="660033"/>
+                </a:solidFill>
+                <a:latin typeface="微軟正黑體" pitchFamily="34" charset="-120"/>
+                <a:ea typeface="微軟正黑體" pitchFamily="34" charset="-120"/>
               </a:rPr>
               <a:t>神救了我們，以聖召召我們，不是按我們的行為，乃是按他的旨意和恩</a:t>
             </a:r>
             <a:r>
-              <a:rPr lang="zh-TW" altLang="en-US" sz="4800" dirty="0" smtClean="0">
-                <a:latin typeface="Microsoft JhengHei" pitchFamily="34" charset="-120"/>
-                <a:ea typeface="Microsoft JhengHei" pitchFamily="34" charset="-120"/>
+              <a:rPr lang="zh-TW" altLang="en-US" sz="4800" dirty="0">
+                <a:solidFill>
+                  <a:srgbClr val="660033"/>
+                </a:solidFill>
+                <a:latin typeface="微軟正黑體" pitchFamily="34" charset="-120"/>
+                <a:ea typeface="微軟正黑體" pitchFamily="34" charset="-120"/>
               </a:rPr>
               <a:t>典</a:t>
             </a:r>
             <a:r>
-              <a:rPr lang="zh-TW" altLang="en-US" sz="4800" dirty="0"/>
+              <a:rPr lang="zh-TW" altLang="en-US" sz="4800" dirty="0">
+                <a:solidFill>
+                  <a:srgbClr val="660033"/>
+                </a:solidFill>
+                <a:latin typeface="微軟正黑體" pitchFamily="34" charset="-120"/>
+                <a:ea typeface="微軟正黑體" pitchFamily="34" charset="-120"/>
+              </a:rPr>
               <a:t>。</a:t>
             </a:r>
             <a:endParaRPr lang="en-US" altLang="zh-TW" sz="4800" dirty="0">
-              <a:latin typeface="Microsoft JhengHei" pitchFamily="34" charset="-120"/>
-              <a:ea typeface="Microsoft JhengHei" pitchFamily="34" charset="-120"/>
+              <a:solidFill>
+                <a:srgbClr val="660033"/>
+              </a:solidFill>
+              <a:latin typeface="微軟正黑體" pitchFamily="34" charset="-120"/>
+              <a:ea typeface="微軟正黑體" pitchFamily="34" charset="-120"/>
             </a:endParaRPr>
           </a:p>
           <a:p>
             <a:r>
               <a:rPr lang="zh-TW" altLang="en-US" sz="4800" b="1" dirty="0">
-                <a:latin typeface="Microsoft JhengHei" pitchFamily="34" charset="-120"/>
-                <a:ea typeface="Microsoft JhengHei" pitchFamily="34" charset="-120"/>
+                <a:solidFill>
+                  <a:srgbClr val="660033"/>
+                </a:solidFill>
+                <a:latin typeface="微軟正黑體" pitchFamily="34" charset="-120"/>
+                <a:ea typeface="微軟正黑體" pitchFamily="34" charset="-120"/>
               </a:rPr>
               <a:t>所以弟兄們，應當更加殷勤，使你們所蒙的恩召和揀選堅定不移。</a:t>
             </a:r>
             <a:endParaRPr lang="en-US" altLang="zh-TW" sz="4800" b="1" dirty="0">
-              <a:latin typeface="Microsoft JhengHei" pitchFamily="34" charset="-120"/>
-              <a:ea typeface="Microsoft JhengHei" pitchFamily="34" charset="-120"/>
+              <a:solidFill>
+                <a:srgbClr val="660033"/>
+              </a:solidFill>
+              <a:latin typeface="微軟正黑體" pitchFamily="34" charset="-120"/>
+              <a:ea typeface="微軟正黑體" pitchFamily="34" charset="-120"/>
             </a:endParaRPr>
           </a:p>
         </p:txBody>
